--- a/week2_UnixII/week2.pptx
+++ b/week2_UnixII/week2.pptx
@@ -232,7 +232,7 @@
           <a:p>
             <a:fld id="{B2232C89-3CE2-794F-879C-0967E0975631}" type="datetimeFigureOut">
               <a:rPr lang="en-US" smtClean="0"/>
-              <a:t>9/5/23</a:t>
+              <a:t>9/3/24</a:t>
             </a:fld>
             <a:endParaRPr lang="en-US"/>
           </a:p>
@@ -1182,7 +1182,7 @@
           <a:p>
             <a:fld id="{92B9ACA4-847D-214F-8693-F6FBD8D9F22E}" type="datetimeFigureOut">
               <a:rPr lang="en-US" smtClean="0"/>
-              <a:t>9/5/23</a:t>
+              <a:t>9/3/24</a:t>
             </a:fld>
             <a:endParaRPr lang="en-US"/>
           </a:p>
@@ -1350,7 +1350,7 @@
           <a:p>
             <a:fld id="{92B9ACA4-847D-214F-8693-F6FBD8D9F22E}" type="datetimeFigureOut">
               <a:rPr lang="en-US" smtClean="0"/>
-              <a:t>9/5/23</a:t>
+              <a:t>9/3/24</a:t>
             </a:fld>
             <a:endParaRPr lang="en-US"/>
           </a:p>
@@ -1528,7 +1528,7 @@
           <a:p>
             <a:fld id="{92B9ACA4-847D-214F-8693-F6FBD8D9F22E}" type="datetimeFigureOut">
               <a:rPr lang="en-US" smtClean="0"/>
-              <a:t>9/5/23</a:t>
+              <a:t>9/3/24</a:t>
             </a:fld>
             <a:endParaRPr lang="en-US"/>
           </a:p>
@@ -1696,7 +1696,7 @@
           <a:p>
             <a:fld id="{92B9ACA4-847D-214F-8693-F6FBD8D9F22E}" type="datetimeFigureOut">
               <a:rPr lang="en-US" smtClean="0"/>
-              <a:t>9/5/23</a:t>
+              <a:t>9/3/24</a:t>
             </a:fld>
             <a:endParaRPr lang="en-US"/>
           </a:p>
@@ -1941,7 +1941,7 @@
           <a:p>
             <a:fld id="{92B9ACA4-847D-214F-8693-F6FBD8D9F22E}" type="datetimeFigureOut">
               <a:rPr lang="en-US" smtClean="0"/>
-              <a:t>9/5/23</a:t>
+              <a:t>9/3/24</a:t>
             </a:fld>
             <a:endParaRPr lang="en-US"/>
           </a:p>
@@ -2226,7 +2226,7 @@
           <a:p>
             <a:fld id="{92B9ACA4-847D-214F-8693-F6FBD8D9F22E}" type="datetimeFigureOut">
               <a:rPr lang="en-US" smtClean="0"/>
-              <a:t>9/5/23</a:t>
+              <a:t>9/3/24</a:t>
             </a:fld>
             <a:endParaRPr lang="en-US"/>
           </a:p>
@@ -2645,7 +2645,7 @@
           <a:p>
             <a:fld id="{92B9ACA4-847D-214F-8693-F6FBD8D9F22E}" type="datetimeFigureOut">
               <a:rPr lang="en-US" smtClean="0"/>
-              <a:t>9/5/23</a:t>
+              <a:t>9/3/24</a:t>
             </a:fld>
             <a:endParaRPr lang="en-US"/>
           </a:p>
@@ -2762,7 +2762,7 @@
           <a:p>
             <a:fld id="{92B9ACA4-847D-214F-8693-F6FBD8D9F22E}" type="datetimeFigureOut">
               <a:rPr lang="en-US" smtClean="0"/>
-              <a:t>9/5/23</a:t>
+              <a:t>9/3/24</a:t>
             </a:fld>
             <a:endParaRPr lang="en-US"/>
           </a:p>
@@ -2857,7 +2857,7 @@
           <a:p>
             <a:fld id="{92B9ACA4-847D-214F-8693-F6FBD8D9F22E}" type="datetimeFigureOut">
               <a:rPr lang="en-US" smtClean="0"/>
-              <a:t>9/5/23</a:t>
+              <a:t>9/3/24</a:t>
             </a:fld>
             <a:endParaRPr lang="en-US"/>
           </a:p>
@@ -3132,7 +3132,7 @@
           <a:p>
             <a:fld id="{92B9ACA4-847D-214F-8693-F6FBD8D9F22E}" type="datetimeFigureOut">
               <a:rPr lang="en-US" smtClean="0"/>
-              <a:t>9/5/23</a:t>
+              <a:t>9/3/24</a:t>
             </a:fld>
             <a:endParaRPr lang="en-US"/>
           </a:p>
@@ -3384,7 +3384,7 @@
           <a:p>
             <a:fld id="{92B9ACA4-847D-214F-8693-F6FBD8D9F22E}" type="datetimeFigureOut">
               <a:rPr lang="en-US" smtClean="0"/>
-              <a:t>9/5/23</a:t>
+              <a:t>9/3/24</a:t>
             </a:fld>
             <a:endParaRPr lang="en-US"/>
           </a:p>
@@ -3595,7 +3595,7 @@
           <a:p>
             <a:fld id="{92B9ACA4-847D-214F-8693-F6FBD8D9F22E}" type="datetimeFigureOut">
               <a:rPr lang="en-US" smtClean="0"/>
-              <a:t>9/5/23</a:t>
+              <a:t>9/3/24</a:t>
             </a:fld>
             <a:endParaRPr lang="en-US"/>
           </a:p>
@@ -4609,7 +4609,7 @@
               <a:rPr lang="en-US" sz="2600" b="1" dirty="0" err="1">
                 <a:latin typeface="Helvetica Light" panose="020B0403020202020204" pitchFamily="34" charset="0"/>
               </a:rPr>
-              <a:t>data.fastq</a:t>
+              <a:t>sample_passerina.fastq</a:t>
             </a:r>
             <a:endParaRPr lang="en-US" sz="2600" b="1" dirty="0">
               <a:latin typeface="Helvetica Light" panose="020B0403020202020204" pitchFamily="34" charset="0"/>
@@ -7163,7 +7163,7 @@
               <a:rPr lang="en-US" sz="2200" dirty="0">
                 <a:latin typeface="Helvetica Light" panose="020B0403020202020204" pitchFamily="34" charset="0"/>
               </a:rPr>
-              <a:t>Among the most widely used Unix command in data science</a:t>
+              <a:t>Among the most widely used Unix commands in data science</a:t>
             </a:r>
           </a:p>
           <a:p>
